--- a/vortrag.pptx
+++ b/vortrag.pptx
@@ -5685,25 +5685,28 @@
         <p:spPr/>
         <p:txBody>
           <a:bodyPr>
-            <a:normAutofit/>
+            <a:normAutofit lnSpcReduction="10000"/>
           </a:bodyPr>
           <a:lstStyle/>
           <a:p>
             <a:r>
               <a:rPr lang="de-CH" dirty="0"/>
-              <a:t>Englisch Diplom [Stand FS12</a:t>
-            </a:r>
-            <a:r>
-              <a:rPr lang="de-CH" dirty="0" smtClean="0"/>
-              <a:t>]</a:t>
-            </a:r>
-            <a:endParaRPr lang="de-CH" dirty="0"/>
+              <a:t>Englisch </a:t>
+            </a:r>
+            <a:r>
+              <a:rPr lang="de-CH" dirty="0" smtClean="0"/>
+              <a:t>Diplom</a:t>
+            </a:r>
           </a:p>
           <a:p>
             <a:pPr lvl="1"/>
             <a:r>
               <a:rPr lang="de-CH" dirty="0" smtClean="0"/>
-              <a:t>Empfehlung: TOEFL (min. 100 Punkte) </a:t>
+              <a:t>Empfehlung</a:t>
+            </a:r>
+            <a:r>
+              <a:rPr lang="de-CH" dirty="0" smtClean="0"/>
+              <a:t>: TOEFL (min. 100 Punkte) </a:t>
             </a:r>
             <a:r>
               <a:rPr lang="de-CH" dirty="0">
@@ -5723,33 +5726,64 @@
           <a:p>
             <a:r>
               <a:rPr lang="de-CH" dirty="0" smtClean="0"/>
-              <a:t>2 Empfehlungsschreiben (von HSR Dozenten)</a:t>
-            </a:r>
-            <a:endParaRPr lang="de-CH" dirty="0"/>
-          </a:p>
-          <a:p>
-            <a:r>
-              <a:rPr lang="de-CH" dirty="0" smtClean="0"/>
-              <a:t>Bewerbung [aktuell]</a:t>
-            </a:r>
-            <a:br>
-              <a:rPr lang="de-CH" dirty="0" smtClean="0"/>
-            </a:br>
+              <a:t>Personal </a:t>
+            </a:r>
+            <a:r>
+              <a:rPr lang="de-CH" dirty="0"/>
+              <a:t>Potential Index </a:t>
+            </a:r>
+            <a:r>
+              <a:rPr lang="de-CH" dirty="0">
+                <a:hlinkClick r:id="rId3"/>
+              </a:rPr>
+              <a:t>http://</a:t>
+            </a:r>
             <a:r>
               <a:rPr lang="de-CH" dirty="0" smtClean="0">
                 <a:hlinkClick r:id="rId3"/>
               </a:rPr>
+              <a:t>www.ets.org/ppi</a:t>
+            </a:r>
+            <a:r>
+              <a:rPr lang="de-CH" dirty="0" smtClean="0"/>
+              <a:t> [Neu]</a:t>
+            </a:r>
+          </a:p>
+          <a:p>
+            <a:pPr lvl="1"/>
+            <a:r>
+              <a:rPr lang="de-CH" dirty="0" smtClean="0"/>
+              <a:t>Ersetzt Empfehlungsschreiben</a:t>
+            </a:r>
+            <a:endParaRPr lang="de-CH" dirty="0"/>
+          </a:p>
+          <a:p>
+            <a:r>
+              <a:rPr lang="de-CH" dirty="0" smtClean="0"/>
+              <a:t>Bewerbung</a:t>
+            </a:r>
+            <a:r>
+              <a:rPr lang="de-CH" dirty="0" smtClean="0"/>
+              <a:t/>
+            </a:r>
+            <a:br>
+              <a:rPr lang="de-CH" dirty="0" smtClean="0"/>
+            </a:br>
+            <a:r>
+              <a:rPr lang="de-CH" dirty="0" smtClean="0">
+                <a:hlinkClick r:id="rId4"/>
+              </a:rPr>
               <a:t>http</a:t>
             </a:r>
             <a:r>
               <a:rPr lang="de-CH" dirty="0">
-                <a:hlinkClick r:id="rId3"/>
+                <a:hlinkClick r:id="rId4"/>
               </a:rPr>
               <a:t>://</a:t>
             </a:r>
             <a:r>
               <a:rPr lang="de-CH" dirty="0" smtClean="0">
-                <a:hlinkClick r:id="rId3"/>
+                <a:hlinkClick r:id="rId4"/>
               </a:rPr>
               <a:t>www.rektorat.ethz.ch/students/admission/master/how_to_apply</a:t>
             </a:r>
@@ -5769,13 +5803,13 @@
             </a:br>
             <a:r>
               <a:rPr lang="de-CH" dirty="0">
-                <a:hlinkClick r:id="rId4"/>
+                <a:hlinkClick r:id="rId5"/>
               </a:rPr>
               <a:t>http://www.vvz.ethz.ch</a:t>
             </a:r>
             <a:r>
               <a:rPr lang="de-CH" dirty="0" smtClean="0">
-                <a:hlinkClick r:id="rId4"/>
+                <a:hlinkClick r:id="rId5"/>
               </a:rPr>
               <a:t>/</a:t>
             </a:r>
@@ -6390,11 +6424,7 @@
           <a:p>
             <a:r>
               <a:rPr lang="de-CH" dirty="0" smtClean="0"/>
-              <a:t>Weitere </a:t>
-            </a:r>
-            <a:r>
-              <a:rPr lang="de-CH" dirty="0" smtClean="0"/>
-              <a:t>Informationen</a:t>
+              <a:t>Weitere Informationen</a:t>
             </a:r>
             <a:endParaRPr lang="de-CH" dirty="0"/>
           </a:p>

--- a/vortrag.pptx
+++ b/vortrag.pptx
@@ -5702,11 +5702,15 @@
             <a:pPr lvl="1"/>
             <a:r>
               <a:rPr lang="de-CH" dirty="0" smtClean="0"/>
-              <a:t>Empfehlung</a:t>
-            </a:r>
-            <a:r>
-              <a:rPr lang="de-CH" dirty="0" smtClean="0"/>
-              <a:t>: TOEFL (min. 100 Punkte) </a:t>
+              <a:t>Empfehlung: TOEFL </a:t>
+            </a:r>
+            <a:r>
+              <a:rPr lang="de-CH" dirty="0" smtClean="0"/>
+              <a:t>(100/120 </a:t>
+            </a:r>
+            <a:r>
+              <a:rPr lang="de-CH" dirty="0" smtClean="0"/>
+              <a:t>Punkte) </a:t>
             </a:r>
             <a:r>
               <a:rPr lang="de-CH" dirty="0">
@@ -5761,10 +5765,6 @@
             <a:r>
               <a:rPr lang="de-CH" dirty="0" smtClean="0"/>
               <a:t>Bewerbung</a:t>
-            </a:r>
-            <a:r>
-              <a:rPr lang="de-CH" dirty="0" smtClean="0"/>
-              <a:t/>
             </a:r>
             <a:br>
               <a:rPr lang="de-CH" dirty="0" smtClean="0"/>
@@ -6128,65 +6128,115 @@
               <a:rPr lang="de-CH" dirty="0" smtClean="0"/>
               <a:t>TOEFL Test anmelden</a:t>
             </a:r>
-          </a:p>
-          <a:p>
             <a:r>
               <a:rPr lang="de-CH" dirty="0"/>
-              <a:t>2 Empfehlungsschreiben </a:t>
-            </a:r>
-            <a:r>
-              <a:rPr lang="de-CH" dirty="0" smtClean="0"/>
-              <a:t>organisieren</a:t>
-            </a:r>
-          </a:p>
-          <a:p>
-            <a:r>
-              <a:rPr lang="de-CH" dirty="0" smtClean="0"/>
-              <a:t>ETH Bewerbung schreiben (online)</a:t>
-            </a:r>
-          </a:p>
-          <a:p>
-            <a:pPr lvl="1"/>
-            <a:r>
+              <a:t/>
+            </a:r>
+            <a:br>
               <a:rPr lang="de-CH" dirty="0"/>
-              <a:t>Deadline: 15. April </a:t>
-            </a:r>
-            <a:r>
-              <a:rPr lang="de-CH" dirty="0" smtClean="0"/>
-              <a:t>2013</a:t>
-            </a:r>
-          </a:p>
-          <a:p>
-            <a:pPr lvl="1"/>
-            <a:r>
-              <a:rPr lang="de-CH" dirty="0" smtClean="0"/>
-              <a:t>Englisch Zertifikat (TOEFL Test) kann nachgereicht werden</a:t>
-            </a:r>
-          </a:p>
-          <a:p>
-            <a:pPr lvl="2"/>
-            <a:r>
-              <a:rPr lang="de-CH" dirty="0" smtClean="0"/>
-              <a:t>Anforderung C1</a:t>
-            </a:r>
-            <a:br>
-              <a:rPr lang="de-CH" dirty="0" smtClean="0"/>
             </a:br>
+            <a:r>
+              <a:rPr lang="de-CH" dirty="0">
+                <a:hlinkClick r:id="rId2"/>
+              </a:rPr>
+              <a:t>http://</a:t>
+            </a:r>
             <a:r>
               <a:rPr lang="de-CH" dirty="0" smtClean="0">
                 <a:hlinkClick r:id="rId2"/>
               </a:rPr>
+              <a:t>www.ets.org/toefl</a:t>
+            </a:r>
+            <a:endParaRPr lang="de-CH" dirty="0" smtClean="0"/>
+          </a:p>
+          <a:p>
+            <a:r>
+              <a:rPr lang="de-CH" dirty="0" smtClean="0"/>
+              <a:t>Personal </a:t>
+            </a:r>
+            <a:r>
+              <a:rPr lang="de-CH" dirty="0"/>
+              <a:t>Potential </a:t>
+            </a:r>
+            <a:r>
+              <a:rPr lang="de-CH" dirty="0" smtClean="0"/>
+              <a:t>Index anmelden</a:t>
+            </a:r>
+            <a:br>
+              <a:rPr lang="de-CH" dirty="0" smtClean="0"/>
+            </a:br>
+            <a:r>
+              <a:rPr lang="de-CH" dirty="0" smtClean="0">
+                <a:hlinkClick r:id="rId3"/>
+              </a:rPr>
               <a:t>http</a:t>
             </a:r>
             <a:r>
               <a:rPr lang="de-CH" dirty="0">
-                <a:hlinkClick r:id="rId2"/>
+                <a:hlinkClick r:id="rId3"/>
               </a:rPr>
               <a:t>://</a:t>
             </a:r>
             <a:r>
               <a:rPr lang="de-CH" dirty="0" smtClean="0">
-                <a:hlinkClick r:id="rId2"/>
+                <a:hlinkClick r:id="rId3"/>
+              </a:rPr>
+              <a:t>www.ets.org/ppi</a:t>
+            </a:r>
+            <a:endParaRPr lang="de-CH" dirty="0" smtClean="0"/>
+          </a:p>
+          <a:p>
+            <a:r>
+              <a:rPr lang="de-CH" dirty="0" smtClean="0"/>
+              <a:t>ETH </a:t>
+            </a:r>
+            <a:r>
+              <a:rPr lang="de-CH" dirty="0" smtClean="0"/>
+              <a:t>Bewerbung schreiben (online)</a:t>
+            </a:r>
+          </a:p>
+          <a:p>
+            <a:pPr lvl="1"/>
+            <a:r>
+              <a:rPr lang="de-CH" dirty="0"/>
+              <a:t>Deadline: 15. April </a:t>
+            </a:r>
+            <a:r>
+              <a:rPr lang="de-CH" dirty="0" smtClean="0"/>
+              <a:t>2013</a:t>
+            </a:r>
+          </a:p>
+          <a:p>
+            <a:pPr lvl="1"/>
+            <a:r>
+              <a:rPr lang="de-CH" dirty="0" smtClean="0"/>
+              <a:t>Englisch Zertifikat (TOEFL Test) kann nachgereicht werden</a:t>
+            </a:r>
+          </a:p>
+          <a:p>
+            <a:pPr lvl="2"/>
+            <a:r>
+              <a:rPr lang="de-CH" dirty="0" smtClean="0"/>
+              <a:t>Anforderung C1</a:t>
+            </a:r>
+            <a:br>
+              <a:rPr lang="de-CH" dirty="0" smtClean="0"/>
+            </a:br>
+            <a:r>
+              <a:rPr lang="de-CH" dirty="0" smtClean="0">
+                <a:hlinkClick r:id="rId4"/>
+              </a:rPr>
+              <a:t>http</a:t>
+            </a:r>
+            <a:r>
+              <a:rPr lang="de-CH" dirty="0">
+                <a:hlinkClick r:id="rId4"/>
+              </a:rPr>
+              <a:t>://</a:t>
+            </a:r>
+            <a:r>
+              <a:rPr lang="de-CH" dirty="0" smtClean="0">
+                <a:hlinkClick r:id="rId4"/>
               </a:rPr>
               <a:t>www.rektorat.ethz.ch/students/admission/master/prerequisites/language</a:t>
             </a:r>

--- a/vortrag.pptx
+++ b/vortrag.pptx
@@ -5217,6 +5217,47 @@
           </a:p>
         </p:txBody>
       </p:sp>
+      <p:pic>
+        <p:nvPicPr>
+          <p:cNvPr id="1026" name="Picture 2" descr="http://api.qrserver.com/v1/create-qr-code/?data=https%3A%2F%2Fhsr-eth.renuo.ch%2F&amp;size=1000x1000"/>
+          <p:cNvPicPr>
+            <a:picLocks noChangeAspect="1" noChangeArrowheads="1"/>
+          </p:cNvPicPr>
+          <p:nvPr/>
+        </p:nvPicPr>
+        <p:blipFill>
+          <a:blip r:embed="rId3" cstate="print">
+            <a:extLst>
+              <a:ext uri="{28A0092B-C50C-407E-A947-70E740481C1C}">
+                <a14:useLocalDpi xmlns:a14="http://schemas.microsoft.com/office/drawing/2010/main" val="0"/>
+              </a:ext>
+            </a:extLst>
+          </a:blip>
+          <a:srcRect/>
+          <a:stretch>
+            <a:fillRect/>
+          </a:stretch>
+        </p:blipFill>
+        <p:spPr bwMode="auto">
+          <a:xfrm>
+            <a:off x="6084168" y="260648"/>
+            <a:ext cx="2252192" cy="2252192"/>
+          </a:xfrm>
+          <a:prstGeom prst="rect">
+            <a:avLst/>
+          </a:prstGeom>
+          <a:noFill/>
+          <a:extLst>
+            <a:ext uri="{909E8E84-426E-40DD-AFC4-6F175D3DCCD1}">
+              <a14:hiddenFill xmlns:a14="http://schemas.microsoft.com/office/drawing/2010/main">
+                <a:solidFill>
+                  <a:srgbClr val="FFFFFF"/>
+                </a:solidFill>
+              </a14:hiddenFill>
+            </a:ext>
+          </a:extLst>
+        </p:spPr>
+      </p:pic>
     </p:spTree>
     <p:extLst>
       <p:ext uri="{BB962C8B-B14F-4D97-AF65-F5344CB8AC3E}">
@@ -5685,7 +5726,7 @@
         <p:spPr/>
         <p:txBody>
           <a:bodyPr>
-            <a:normAutofit lnSpcReduction="10000"/>
+            <a:normAutofit/>
           </a:bodyPr>
           <a:lstStyle/>
           <a:p>
@@ -5694,124 +5735,95 @@
               <a:t>Englisch </a:t>
             </a:r>
             <a:r>
-              <a:rPr lang="de-CH" dirty="0" smtClean="0"/>
-              <a:t>Diplom</a:t>
-            </a:r>
+              <a:rPr lang="de-CH" dirty="0"/>
+              <a:t>Diplom C1 </a:t>
+            </a:r>
+            <a:r>
+              <a:rPr lang="de-CH" dirty="0" smtClean="0"/>
+              <a:t>[1]</a:t>
+            </a:r>
+            <a:endParaRPr lang="de-CH" dirty="0" smtClean="0"/>
           </a:p>
           <a:p>
             <a:pPr lvl="1"/>
             <a:r>
               <a:rPr lang="de-CH" dirty="0" smtClean="0"/>
-              <a:t>Empfehlung: TOEFL </a:t>
-            </a:r>
-            <a:r>
-              <a:rPr lang="de-CH" dirty="0" smtClean="0"/>
-              <a:t>(100/120 </a:t>
-            </a:r>
-            <a:r>
-              <a:rPr lang="de-CH" dirty="0" smtClean="0"/>
-              <a:t>Punkte) </a:t>
-            </a:r>
-            <a:r>
-              <a:rPr lang="de-CH" dirty="0">
-                <a:hlinkClick r:id="rId2"/>
-              </a:rPr>
-              <a:t>http://www.ets.org/toefl</a:t>
+              <a:t>Empfehlung: TOEFL (100/120 Punkte) </a:t>
+            </a:r>
+            <a:r>
+              <a:rPr lang="de-CH" dirty="0" smtClean="0"/>
+              <a:t>[2]</a:t>
+            </a:r>
+          </a:p>
+          <a:p>
+            <a:pPr lvl="1"/>
+            <a:r>
+              <a:rPr lang="de-CH" dirty="0" smtClean="0"/>
+              <a:t>Bsp</a:t>
+            </a:r>
+            <a:r>
+              <a:rPr lang="de-CH" dirty="0"/>
+              <a:t>. Cambridge </a:t>
+            </a:r>
+            <a:r>
+              <a:rPr lang="de-CH" dirty="0" smtClean="0"/>
+              <a:t>CAE [3]</a:t>
             </a:r>
             <a:endParaRPr lang="de-CH" dirty="0"/>
           </a:p>
           <a:p>
+            <a:r>
+              <a:rPr lang="de-CH" dirty="0" smtClean="0"/>
+              <a:t>Personal </a:t>
+            </a:r>
+            <a:r>
+              <a:rPr lang="de-CH" dirty="0"/>
+              <a:t>Potential </a:t>
+            </a:r>
+            <a:r>
+              <a:rPr lang="de-CH" dirty="0"/>
+              <a:t>Index (neu ab FS13</a:t>
+            </a:r>
+            <a:r>
+              <a:rPr lang="de-CH" dirty="0" smtClean="0"/>
+              <a:t>)</a:t>
+            </a:r>
+            <a:r>
+              <a:rPr lang="de-CH" dirty="0" smtClean="0"/>
+              <a:t> </a:t>
+            </a:r>
+            <a:r>
+              <a:rPr lang="de-CH" dirty="0" smtClean="0"/>
+              <a:t>[4] </a:t>
+            </a:r>
+          </a:p>
+          <a:p>
             <a:pPr lvl="1"/>
             <a:r>
-              <a:rPr lang="de-CH" dirty="0"/>
-              <a:t>Bsp. Cambridge CAE</a:t>
-            </a:r>
-          </a:p>
-          <a:p>
-            <a:r>
-              <a:rPr lang="de-CH" dirty="0" smtClean="0"/>
-              <a:t>Personal </a:t>
-            </a:r>
-            <a:r>
-              <a:rPr lang="de-CH" dirty="0"/>
-              <a:t>Potential Index </a:t>
-            </a:r>
-            <a:r>
-              <a:rPr lang="de-CH" dirty="0">
-                <a:hlinkClick r:id="rId3"/>
-              </a:rPr>
-              <a:t>http://</a:t>
-            </a:r>
-            <a:r>
-              <a:rPr lang="de-CH" dirty="0" smtClean="0">
-                <a:hlinkClick r:id="rId3"/>
-              </a:rPr>
-              <a:t>www.ets.org/ppi</a:t>
-            </a:r>
-            <a:r>
-              <a:rPr lang="de-CH" dirty="0" smtClean="0"/>
-              <a:t> [Neu]</a:t>
-            </a:r>
-          </a:p>
-          <a:p>
-            <a:pPr lvl="1"/>
-            <a:r>
-              <a:rPr lang="de-CH" dirty="0" smtClean="0"/>
-              <a:t>Ersetzt Empfehlungsschreiben</a:t>
+              <a:rPr lang="de-CH" dirty="0" smtClean="0"/>
+              <a:t>Ersetzt Empfehlungsschreiben (FS12)</a:t>
             </a:r>
             <a:endParaRPr lang="de-CH" dirty="0"/>
           </a:p>
           <a:p>
             <a:r>
               <a:rPr lang="de-CH" dirty="0" smtClean="0"/>
-              <a:t>Bewerbung</a:t>
-            </a:r>
-            <a:br>
-              <a:rPr lang="de-CH" dirty="0" smtClean="0"/>
-            </a:br>
-            <a:r>
-              <a:rPr lang="de-CH" dirty="0" smtClean="0">
-                <a:hlinkClick r:id="rId4"/>
-              </a:rPr>
-              <a:t>http</a:t>
-            </a:r>
-            <a:r>
-              <a:rPr lang="de-CH" dirty="0">
-                <a:hlinkClick r:id="rId4"/>
-              </a:rPr>
-              <a:t>://</a:t>
-            </a:r>
-            <a:r>
-              <a:rPr lang="de-CH" dirty="0" smtClean="0">
-                <a:hlinkClick r:id="rId4"/>
-              </a:rPr>
-              <a:t>www.rektorat.ethz.ch/students/admission/master/how_to_apply</a:t>
-            </a:r>
-            <a:endParaRPr lang="de-CH" dirty="0" smtClean="0"/>
-          </a:p>
-          <a:p>
-            <a:r>
-              <a:rPr lang="de-CH" dirty="0" smtClean="0"/>
-              <a:t>Tipp: Öffentliches Vorlesungsverzeichnis</a:t>
-            </a:r>
-            <a:r>
-              <a:rPr lang="de-CH" dirty="0"/>
-              <a:t/>
-            </a:r>
-            <a:br>
-              <a:rPr lang="de-CH" dirty="0"/>
-            </a:br>
-            <a:r>
-              <a:rPr lang="de-CH" dirty="0">
-                <a:hlinkClick r:id="rId5"/>
-              </a:rPr>
-              <a:t>http://www.vvz.ethz.ch</a:t>
-            </a:r>
-            <a:r>
-              <a:rPr lang="de-CH" dirty="0" smtClean="0">
-                <a:hlinkClick r:id="rId5"/>
-              </a:rPr>
-              <a:t>/</a:t>
+              <a:t>ETH Bewerbung [5]</a:t>
+            </a:r>
+            <a:endParaRPr lang="de-CH" dirty="0"/>
+          </a:p>
+          <a:p>
+            <a:r>
+              <a:rPr lang="de-CH" dirty="0" smtClean="0"/>
+              <a:t>Tipp</a:t>
+            </a:r>
+            <a:r>
+              <a:rPr lang="de-CH" dirty="0" smtClean="0"/>
+              <a:t>: Öffentliches </a:t>
+            </a:r>
+            <a:r>
+              <a:rPr lang="de-CH" dirty="0" smtClean="0"/>
+              <a:t>ETH Vorlesungsverzeichnis [6]</a:t>
             </a:r>
             <a:endParaRPr lang="de-CH" dirty="0"/>
           </a:p>
@@ -6126,28 +6138,20 @@
           <a:p>
             <a:r>
               <a:rPr lang="de-CH" dirty="0" smtClean="0"/>
-              <a:t>TOEFL Test anmelden</a:t>
+              <a:t>TOEFL Test </a:t>
+            </a:r>
+            <a:r>
+              <a:rPr lang="de-CH" dirty="0" smtClean="0"/>
+              <a:t>anmelden</a:t>
             </a:r>
             <a:r>
               <a:rPr lang="de-CH" dirty="0"/>
-              <a:t/>
-            </a:r>
-            <a:br>
-              <a:rPr lang="de-CH" dirty="0"/>
-            </a:br>
-            <a:r>
-              <a:rPr lang="de-CH" dirty="0">
-                <a:hlinkClick r:id="rId2"/>
-              </a:rPr>
-              <a:t>http://</a:t>
-            </a:r>
-            <a:r>
-              <a:rPr lang="de-CH" dirty="0" smtClean="0">
-                <a:hlinkClick r:id="rId2"/>
-              </a:rPr>
-              <a:t>www.ets.org/toefl</a:t>
-            </a:r>
-            <a:endParaRPr lang="de-CH" dirty="0" smtClean="0"/>
+              <a:t> </a:t>
+            </a:r>
+            <a:r>
+              <a:rPr lang="de-CH" dirty="0" smtClean="0"/>
+              <a:t>[2]</a:t>
+            </a:r>
           </a:p>
           <a:p>
             <a:r>
@@ -6160,40 +6164,28 @@
             </a:r>
             <a:r>
               <a:rPr lang="de-CH" dirty="0" smtClean="0"/>
-              <a:t>Index anmelden</a:t>
-            </a:r>
-            <a:br>
-              <a:rPr lang="de-CH" dirty="0" smtClean="0"/>
-            </a:br>
-            <a:r>
-              <a:rPr lang="de-CH" dirty="0" smtClean="0">
-                <a:hlinkClick r:id="rId3"/>
-              </a:rPr>
-              <a:t>http</a:t>
-            </a:r>
-            <a:r>
-              <a:rPr lang="de-CH" dirty="0">
-                <a:hlinkClick r:id="rId3"/>
-              </a:rPr>
-              <a:t>://</a:t>
-            </a:r>
-            <a:r>
-              <a:rPr lang="de-CH" dirty="0" smtClean="0">
-                <a:hlinkClick r:id="rId3"/>
-              </a:rPr>
-              <a:t>www.ets.org/ppi</a:t>
+              <a:t>Index </a:t>
+            </a:r>
+            <a:r>
+              <a:rPr lang="de-CH" dirty="0" smtClean="0"/>
+              <a:t>anmelden [4]</a:t>
+            </a:r>
+            <a:endParaRPr lang="de-CH" dirty="0"/>
+          </a:p>
+          <a:p>
+            <a:r>
+              <a:rPr lang="de-CH" dirty="0" smtClean="0"/>
+              <a:t>ETH </a:t>
+            </a:r>
+            <a:r>
+              <a:rPr lang="de-CH" dirty="0" smtClean="0"/>
+              <a:t>Bewerbung schreiben (online</a:t>
+            </a:r>
+            <a:r>
+              <a:rPr lang="de-CH" dirty="0" smtClean="0"/>
+              <a:t>) [5]</a:t>
             </a:r>
             <a:endParaRPr lang="de-CH" dirty="0" smtClean="0"/>
-          </a:p>
-          <a:p>
-            <a:r>
-              <a:rPr lang="de-CH" dirty="0" smtClean="0"/>
-              <a:t>ETH </a:t>
-            </a:r>
-            <a:r>
-              <a:rPr lang="de-CH" dirty="0" smtClean="0"/>
-              <a:t>Bewerbung schreiben (online)</a:t>
-            </a:r>
           </a:p>
           <a:p>
             <a:pPr lvl="1"/>
@@ -6210,42 +6202,12 @@
             <a:pPr lvl="1"/>
             <a:r>
               <a:rPr lang="de-CH" dirty="0" smtClean="0"/>
-              <a:t>Englisch Zertifikat (TOEFL Test) kann nachgereicht werden</a:t>
-            </a:r>
-          </a:p>
-          <a:p>
-            <a:pPr lvl="2"/>
-            <a:r>
-              <a:rPr lang="de-CH" dirty="0" smtClean="0"/>
-              <a:t>Anforderung C1</a:t>
-            </a:r>
-            <a:br>
-              <a:rPr lang="de-CH" dirty="0" smtClean="0"/>
-            </a:br>
-            <a:r>
-              <a:rPr lang="de-CH" dirty="0" smtClean="0">
-                <a:hlinkClick r:id="rId4"/>
-              </a:rPr>
-              <a:t>http</a:t>
-            </a:r>
-            <a:r>
-              <a:rPr lang="de-CH" dirty="0">
-                <a:hlinkClick r:id="rId4"/>
-              </a:rPr>
-              <a:t>://</a:t>
-            </a:r>
-            <a:r>
-              <a:rPr lang="de-CH" dirty="0" smtClean="0">
-                <a:hlinkClick r:id="rId4"/>
-              </a:rPr>
-              <a:t>www.rektorat.ethz.ch/students/admission/master/prerequisites/language</a:t>
-            </a:r>
-            <a:r>
-              <a:rPr lang="de-CH" dirty="0" smtClean="0"/>
-              <a:t> </a:t>
-            </a:r>
-          </a:p>
-          <a:p>
+              <a:t>Englisch Zertifikat (TOEFL Test) kann nachgereicht </a:t>
+            </a:r>
+            <a:r>
+              <a:rPr lang="de-CH" dirty="0" smtClean="0"/>
+              <a:t>werden</a:t>
+            </a:r>
             <a:endParaRPr lang="de-CH" dirty="0" smtClean="0"/>
           </a:p>
         </p:txBody>
@@ -6377,7 +6339,9 @@
         </p:nvSpPr>
         <p:spPr/>
         <p:txBody>
-          <a:bodyPr/>
+          <a:bodyPr>
+            <a:normAutofit/>
+          </a:bodyPr>
           <a:lstStyle/>
           <a:p>
             <a:r>
@@ -6407,6 +6371,227 @@
               </a:rPr>
               <a:t>lukas.elmer@gmail.com</a:t>
             </a:r>
+            <a:endParaRPr lang="de-CH" dirty="0" smtClean="0"/>
+          </a:p>
+          <a:p>
+            <a:endParaRPr lang="de-CH" dirty="0"/>
+          </a:p>
+          <a:p>
+            <a:r>
+              <a:rPr lang="de-CH" dirty="0" smtClean="0"/>
+              <a:t>Links</a:t>
+            </a:r>
+          </a:p>
+          <a:p>
+            <a:pPr lvl="1"/>
+            <a:r>
+              <a:rPr lang="de-CH" sz="1200" dirty="0" smtClean="0"/>
+              <a:t>[0</a:t>
+            </a:r>
+            <a:r>
+              <a:rPr lang="de-CH" sz="1200" dirty="0" smtClean="0"/>
+              <a:t>] </a:t>
+            </a:r>
+            <a:r>
+              <a:rPr lang="de-CH" sz="1200" dirty="0"/>
+              <a:t>Computer Science </a:t>
+            </a:r>
+            <a:r>
+              <a:rPr lang="de-CH" sz="1200" dirty="0" smtClean="0"/>
+              <a:t>Colloquium </a:t>
+            </a:r>
+            <a:r>
+              <a:rPr lang="de-CH" sz="1200" dirty="0" smtClean="0">
+                <a:hlinkClick r:id="rId4"/>
+              </a:rPr>
+              <a:t>http</a:t>
+            </a:r>
+            <a:r>
+              <a:rPr lang="de-CH" sz="1200" dirty="0">
+                <a:hlinkClick r:id="rId4"/>
+              </a:rPr>
+              <a:t>://www.inf.ethz.ch/news/colloquium</a:t>
+            </a:r>
+            <a:r>
+              <a:rPr lang="de-CH" sz="1200" dirty="0" smtClean="0">
+                <a:hlinkClick r:id="rId4"/>
+              </a:rPr>
+              <a:t>/</a:t>
+            </a:r>
+            <a:endParaRPr lang="de-CH" sz="1200" dirty="0" smtClean="0"/>
+          </a:p>
+          <a:p>
+            <a:pPr lvl="1"/>
+            <a:r>
+              <a:rPr lang="de-CH" sz="1200" dirty="0"/>
+              <a:t>[1] Englisch Anforderung C1 (Informatik) </a:t>
+            </a:r>
+            <a:r>
+              <a:rPr lang="de-CH" sz="1200" dirty="0">
+                <a:hlinkClick r:id="rId5"/>
+              </a:rPr>
+              <a:t>http://www.rektorat.ethz.ch/students/admission/master/prerequisites/language</a:t>
+            </a:r>
+            <a:r>
+              <a:rPr lang="de-CH" sz="1200" dirty="0"/>
+              <a:t> </a:t>
+            </a:r>
+            <a:endParaRPr lang="de-CH" sz="1200" dirty="0" smtClean="0"/>
+          </a:p>
+          <a:p>
+            <a:pPr lvl="1"/>
+            <a:r>
+              <a:rPr lang="de-CH" sz="1200" dirty="0" smtClean="0"/>
+              <a:t>[2] Englisch Zertifikat </a:t>
+            </a:r>
+            <a:r>
+              <a:rPr lang="de-CH" sz="1200" dirty="0"/>
+              <a:t>TOEFL</a:t>
+            </a:r>
+            <a:r>
+              <a:rPr lang="de-CH" sz="1200" dirty="0" smtClean="0"/>
+              <a:t> </a:t>
+            </a:r>
+            <a:r>
+              <a:rPr lang="de-CH" sz="1200" dirty="0" smtClean="0">
+                <a:hlinkClick r:id="rId6"/>
+              </a:rPr>
+              <a:t>http</a:t>
+            </a:r>
+            <a:r>
+              <a:rPr lang="de-CH" sz="1200" dirty="0">
+                <a:hlinkClick r:id="rId6"/>
+              </a:rPr>
+              <a:t>://www.ets.org/toefl</a:t>
+            </a:r>
+            <a:endParaRPr lang="de-CH" sz="1200" dirty="0"/>
+          </a:p>
+          <a:p>
+            <a:pPr lvl="1"/>
+            <a:r>
+              <a:rPr lang="de-CH" sz="1200" dirty="0" smtClean="0"/>
+              <a:t>[3] </a:t>
+            </a:r>
+            <a:r>
+              <a:rPr lang="de-CH" sz="1200" dirty="0"/>
+              <a:t>Englisch Zertifikat CAE </a:t>
+            </a:r>
+            <a:r>
+              <a:rPr lang="de-CH" sz="1200" dirty="0">
+                <a:hlinkClick r:id="rId7"/>
+              </a:rPr>
+              <a:t>http://www.cambridgeenglish.org/exams-and-qualifications/advanced</a:t>
+            </a:r>
+            <a:r>
+              <a:rPr lang="de-CH" sz="1200" dirty="0" smtClean="0">
+                <a:hlinkClick r:id="rId7"/>
+              </a:rPr>
+              <a:t>/</a:t>
+            </a:r>
+            <a:endParaRPr lang="de-CH" sz="1200" dirty="0" smtClean="0"/>
+          </a:p>
+          <a:p>
+            <a:pPr lvl="1"/>
+            <a:r>
+              <a:rPr lang="de-CH" sz="1200" dirty="0" smtClean="0"/>
+              <a:t>[4] </a:t>
+            </a:r>
+            <a:r>
+              <a:rPr lang="de-CH" sz="1200" dirty="0"/>
+              <a:t>Personal Potential Index </a:t>
+            </a:r>
+            <a:r>
+              <a:rPr lang="de-CH" sz="1200" dirty="0">
+                <a:hlinkClick r:id="rId8"/>
+              </a:rPr>
+              <a:t>http://</a:t>
+            </a:r>
+            <a:r>
+              <a:rPr lang="de-CH" sz="1200" dirty="0" smtClean="0">
+                <a:hlinkClick r:id="rId8"/>
+              </a:rPr>
+              <a:t>www.ets.org/ppi</a:t>
+            </a:r>
+            <a:endParaRPr lang="de-CH" sz="1200" dirty="0" smtClean="0"/>
+          </a:p>
+          <a:p>
+            <a:pPr lvl="1"/>
+            <a:r>
+              <a:rPr lang="de-CH" sz="1200" dirty="0" smtClean="0"/>
+              <a:t>[5] </a:t>
+            </a:r>
+            <a:r>
+              <a:rPr lang="de-CH" sz="1200" dirty="0"/>
+              <a:t>ETH </a:t>
+            </a:r>
+            <a:r>
+              <a:rPr lang="de-CH" sz="1200" dirty="0" smtClean="0"/>
+              <a:t>Bewerbung </a:t>
+            </a:r>
+            <a:r>
+              <a:rPr lang="de-CH" sz="1200" dirty="0" smtClean="0">
+                <a:hlinkClick r:id="rId9"/>
+              </a:rPr>
+              <a:t>http</a:t>
+            </a:r>
+            <a:r>
+              <a:rPr lang="de-CH" sz="1200" dirty="0">
+                <a:hlinkClick r:id="rId9"/>
+              </a:rPr>
+              <a:t>://</a:t>
+            </a:r>
+            <a:r>
+              <a:rPr lang="de-CH" sz="1200" dirty="0" smtClean="0">
+                <a:hlinkClick r:id="rId9"/>
+              </a:rPr>
+              <a:t>www.rektorat.ethz.ch/students/admission/master/how_to_apply</a:t>
+            </a:r>
+            <a:endParaRPr lang="de-CH" sz="1200" dirty="0" smtClean="0"/>
+          </a:p>
+          <a:p>
+            <a:pPr lvl="1"/>
+            <a:r>
+              <a:rPr lang="de-CH" sz="1200" dirty="0" smtClean="0"/>
+              <a:t>[6] Öffentliches </a:t>
+            </a:r>
+            <a:r>
+              <a:rPr lang="de-CH" sz="1200" dirty="0"/>
+              <a:t>ETH Vorlesungsverzeichnis </a:t>
+            </a:r>
+            <a:r>
+              <a:rPr lang="de-CH" sz="1200" dirty="0" smtClean="0">
+                <a:hlinkClick r:id="rId10"/>
+              </a:rPr>
+              <a:t>http</a:t>
+            </a:r>
+            <a:r>
+              <a:rPr lang="de-CH" sz="1200" dirty="0">
+                <a:hlinkClick r:id="rId10"/>
+              </a:rPr>
+              <a:t>://www.vvz.ethz.ch</a:t>
+            </a:r>
+            <a:r>
+              <a:rPr lang="de-CH" sz="1200" dirty="0" smtClean="0">
+                <a:hlinkClick r:id="rId10"/>
+              </a:rPr>
+              <a:t>/</a:t>
+            </a:r>
+            <a:endParaRPr lang="de-CH" sz="1200" dirty="0" smtClean="0"/>
+          </a:p>
+          <a:p>
+            <a:pPr lvl="1"/>
+            <a:endParaRPr lang="de-CH" dirty="0"/>
+          </a:p>
+          <a:p>
+            <a:pPr lvl="1"/>
+            <a:endParaRPr lang="de-CH" dirty="0"/>
+          </a:p>
+          <a:p>
+            <a:pPr lvl="1"/>
+            <a:endParaRPr lang="de-CH" dirty="0"/>
+          </a:p>
+          <a:p>
+            <a:pPr lvl="1"/>
             <a:endParaRPr lang="de-CH" dirty="0" smtClean="0"/>
           </a:p>
         </p:txBody>
@@ -7828,8 +8013,13 @@
             </a:r>
             <a:r>
               <a:rPr lang="de-CH" dirty="0" smtClean="0"/>
-              <a:t>Colloquium (Vorträge)</a:t>
-            </a:r>
+              <a:t>Colloquium (Vorträge</a:t>
+            </a:r>
+            <a:r>
+              <a:rPr lang="de-CH" dirty="0" smtClean="0"/>
+              <a:t>) [0]</a:t>
+            </a:r>
+            <a:endParaRPr lang="de-CH" dirty="0" smtClean="0"/>
           </a:p>
           <a:p>
             <a:pPr lvl="1"/>
@@ -7854,22 +8044,11 @@
             </a:r>
             <a:r>
               <a:rPr lang="de-CH" dirty="0" smtClean="0"/>
-              <a:t> Intel Pentium 4</a:t>
-            </a:r>
-          </a:p>
-          <a:p>
-            <a:pPr lvl="1"/>
-            <a:r>
-              <a:rPr lang="de-CH" dirty="0">
-                <a:hlinkClick r:id="rId2"/>
-              </a:rPr>
-              <a:t>http://www.inf.ethz.ch/news/colloquium</a:t>
-            </a:r>
-            <a:r>
-              <a:rPr lang="de-CH" dirty="0" smtClean="0">
-                <a:hlinkClick r:id="rId2"/>
-              </a:rPr>
-              <a:t>/</a:t>
+              <a:t> Intel Pentium </a:t>
+            </a:r>
+            <a:r>
+              <a:rPr lang="de-CH" dirty="0" smtClean="0"/>
+              <a:t>4</a:t>
             </a:r>
             <a:endParaRPr lang="de-CH" dirty="0" smtClean="0"/>
           </a:p>

--- a/vortrag.pptx
+++ b/vortrag.pptx
@@ -206,7 +206,7 @@
           <a:p>
             <a:fld id="{8179181F-956E-4E26-BC94-33EDF5B898D7}" type="datetimeFigureOut">
               <a:rPr lang="de-CH" smtClean="0"/>
-              <a:t>17.03.2013</a:t>
+              <a:t>19.03.2013</a:t>
             </a:fld>
             <a:endParaRPr lang="de-CH"/>
           </a:p>
@@ -1177,7 +1177,7 @@
           <a:p>
             <a:fld id="{76324253-CCA5-430F-A771-A07914F43539}" type="datetime1">
               <a:rPr lang="de-CH" smtClean="0"/>
-              <a:t>17.03.2013</a:t>
+              <a:t>19.03.2013</a:t>
             </a:fld>
             <a:endParaRPr lang="de-CH"/>
           </a:p>
@@ -1425,7 +1425,7 @@
           <a:p>
             <a:fld id="{D2C72EBD-F769-4615-B5F7-E387653FFA6D}" type="datetime1">
               <a:rPr lang="de-CH" smtClean="0"/>
-              <a:t>17.03.2013</a:t>
+              <a:t>19.03.2013</a:t>
             </a:fld>
             <a:endParaRPr lang="de-CH"/>
           </a:p>
@@ -1614,7 +1614,7 @@
           <a:p>
             <a:fld id="{3236FB27-5C7E-4294-9116-0F52E441C768}" type="datetime1">
               <a:rPr lang="de-CH" smtClean="0"/>
-              <a:t>17.03.2013</a:t>
+              <a:t>19.03.2013</a:t>
             </a:fld>
             <a:endParaRPr lang="de-CH"/>
           </a:p>
@@ -1768,7 +1768,7 @@
           <a:p>
             <a:fld id="{B76124D9-6AED-47CD-967B-932BDA1E87C3}" type="datetime1">
               <a:rPr lang="de-CH" smtClean="0"/>
-              <a:t>17.03.2013</a:t>
+              <a:t>19.03.2013</a:t>
             </a:fld>
             <a:endParaRPr lang="de-CH"/>
           </a:p>
@@ -1792,10 +1792,10 @@
           </a:lstStyle>
           <a:p>
             <a:r>
-              <a:rPr lang="de-CH" smtClean="0"/>
+              <a:rPr lang="de-CH" dirty="0" smtClean="0"/>
               <a:t>https://hsr-eth.renuo.ch</a:t>
             </a:r>
-            <a:endParaRPr lang="de-CH"/>
+            <a:endParaRPr lang="de-CH" dirty="0"/>
           </a:p>
         </p:txBody>
       </p:sp>
@@ -2083,7 +2083,7 @@
           <a:p>
             <a:fld id="{0138283A-F696-4F60-966C-A49D777C2577}" type="datetime1">
               <a:rPr lang="de-CH" smtClean="0"/>
-              <a:t>17.03.2013</a:t>
+              <a:t>19.03.2013</a:t>
             </a:fld>
             <a:endParaRPr lang="de-CH"/>
           </a:p>
@@ -2503,7 +2503,7 @@
           <a:p>
             <a:fld id="{691A48F0-20F0-43EE-81A9-51200B4A08AF}" type="datetime1">
               <a:rPr lang="de-CH" smtClean="0"/>
-              <a:t>17.03.2013</a:t>
+              <a:t>19.03.2013</a:t>
             </a:fld>
             <a:endParaRPr lang="de-CH"/>
           </a:p>
@@ -2953,7 +2953,7 @@
           <a:p>
             <a:fld id="{F22CBD1F-FB14-4EBD-A550-283485136BAF}" type="datetime1">
               <a:rPr lang="de-CH" smtClean="0"/>
-              <a:t>17.03.2013</a:t>
+              <a:t>19.03.2013</a:t>
             </a:fld>
             <a:endParaRPr lang="de-CH"/>
           </a:p>
@@ -3058,7 +3058,7 @@
           <a:p>
             <a:fld id="{A3DEB0D8-81C9-4CFF-9B3B-92B33C341158}" type="datetime1">
               <a:rPr lang="de-CH" smtClean="0"/>
-              <a:t>17.03.2013</a:t>
+              <a:t>19.03.2013</a:t>
             </a:fld>
             <a:endParaRPr lang="de-CH"/>
           </a:p>
@@ -3418,7 +3418,7 @@
           <a:p>
             <a:fld id="{BBBCF13E-D5F6-4CC1-9535-516E81FF91C9}" type="datetime1">
               <a:rPr lang="de-CH" smtClean="0"/>
-              <a:t>17.03.2013</a:t>
+              <a:t>19.03.2013</a:t>
             </a:fld>
             <a:endParaRPr lang="de-CH"/>
           </a:p>
@@ -3627,7 +3627,7 @@
           <a:p>
             <a:fld id="{7FDE8AAE-D3C6-4C07-BD92-2DCD78F89E20}" type="datetime1">
               <a:rPr lang="de-CH" smtClean="0"/>
-              <a:t>17.03.2013</a:t>
+              <a:t>19.03.2013</a:t>
             </a:fld>
             <a:endParaRPr lang="de-CH"/>
           </a:p>
@@ -4738,7 +4738,7 @@
           <a:p>
             <a:fld id="{83E34D51-F561-4C8F-B584-C8B3CE072EB6}" type="datetime1">
               <a:rPr lang="de-CH" smtClean="0"/>
-              <a:t>17.03.2013</a:t>
+              <a:t>19.03.2013</a:t>
             </a:fld>
             <a:endParaRPr lang="de-CH"/>
           </a:p>
@@ -5585,8 +5585,18 @@
           <a:lstStyle/>
           <a:p>
             <a:r>
-              <a:rPr lang="de-CH" dirty="0" smtClean="0"/>
-              <a:t>Mathe begabt / interessiert (sonst wird’s hart)</a:t>
+              <a:rPr lang="de-CH" dirty="0"/>
+              <a:t>HSR 5er Schnitt (Grade irrelevant) [Stand FS12]</a:t>
+            </a:r>
+          </a:p>
+          <a:p>
+            <a:r>
+              <a:rPr lang="de-CH" dirty="0" smtClean="0"/>
+              <a:t>Mathe </a:t>
+            </a:r>
+            <a:r>
+              <a:rPr lang="de-CH" dirty="0" smtClean="0"/>
+              <a:t>begabt / interessiert (sonst wird’s hart)</a:t>
             </a:r>
           </a:p>
           <a:p>
@@ -5594,12 +5604,7 @@
               <a:rPr lang="de-CH" dirty="0" smtClean="0"/>
               <a:t>Selbstdisziplin</a:t>
             </a:r>
-          </a:p>
-          <a:p>
-            <a:r>
-              <a:rPr lang="de-CH" dirty="0" smtClean="0"/>
-              <a:t>5er Schnitt (Grade irrelevant) [Stand FS12]</a:t>
-            </a:r>
+            <a:endParaRPr lang="de-CH" dirty="0" smtClean="0"/>
           </a:p>
         </p:txBody>
       </p:sp>
@@ -5732,27 +5737,18 @@
           <a:p>
             <a:r>
               <a:rPr lang="de-CH" dirty="0"/>
-              <a:t>Englisch </a:t>
-            </a:r>
-            <a:r>
-              <a:rPr lang="de-CH" dirty="0"/>
-              <a:t>Diplom C1 </a:t>
+              <a:t>Englisch Diplom C1 </a:t>
             </a:r>
             <a:r>
               <a:rPr lang="de-CH" dirty="0" smtClean="0"/>
               <a:t>[1]</a:t>
             </a:r>
-            <a:endParaRPr lang="de-CH" dirty="0" smtClean="0"/>
           </a:p>
           <a:p>
             <a:pPr lvl="1"/>
             <a:r>
               <a:rPr lang="de-CH" dirty="0" smtClean="0"/>
-              <a:t>Empfehlung: TOEFL (100/120 Punkte) </a:t>
-            </a:r>
-            <a:r>
-              <a:rPr lang="de-CH" dirty="0" smtClean="0"/>
-              <a:t>[2]</a:t>
+              <a:t>Empfehlung: TOEFL (100/120 Punkte) [2]</a:t>
             </a:r>
           </a:p>
           <a:p>
@@ -5781,20 +5777,16 @@
               <a:t>Potential </a:t>
             </a:r>
             <a:r>
+              <a:rPr lang="de-CH" dirty="0" smtClean="0"/>
+              <a:t>Index Test </a:t>
+            </a:r>
+            <a:r>
               <a:rPr lang="de-CH" dirty="0"/>
-              <a:t>Index (neu ab FS13</a:t>
-            </a:r>
-            <a:r>
-              <a:rPr lang="de-CH" dirty="0" smtClean="0"/>
-              <a:t>)</a:t>
-            </a:r>
-            <a:r>
-              <a:rPr lang="de-CH" dirty="0" smtClean="0"/>
-              <a:t> </a:t>
-            </a:r>
-            <a:r>
-              <a:rPr lang="de-CH" dirty="0" smtClean="0"/>
-              <a:t>[4] </a:t>
+              <a:t>(neu ab FS13</a:t>
+            </a:r>
+            <a:r>
+              <a:rPr lang="de-CH" dirty="0" smtClean="0"/>
+              <a:t>) [4] </a:t>
             </a:r>
           </a:p>
           <a:p>
@@ -5808,22 +5800,11 @@
           <a:p>
             <a:r>
               <a:rPr lang="de-CH" dirty="0" smtClean="0"/>
-              <a:t>ETH Bewerbung [5]</a:t>
-            </a:r>
-            <a:endParaRPr lang="de-CH" dirty="0"/>
-          </a:p>
-          <a:p>
-            <a:r>
-              <a:rPr lang="de-CH" dirty="0" smtClean="0"/>
-              <a:t>Tipp</a:t>
-            </a:r>
-            <a:r>
-              <a:rPr lang="de-CH" dirty="0" smtClean="0"/>
-              <a:t>: Öffentliches </a:t>
-            </a:r>
-            <a:r>
-              <a:rPr lang="de-CH" dirty="0" smtClean="0"/>
-              <a:t>ETH Vorlesungsverzeichnis [6]</a:t>
+              <a:t>ETH Bewerbung [5</a:t>
+            </a:r>
+            <a:r>
+              <a:rPr lang="de-CH" dirty="0" smtClean="0"/>
+              <a:t>]</a:t>
             </a:r>
             <a:endParaRPr lang="de-CH" dirty="0"/>
           </a:p>
@@ -6138,11 +6119,11 @@
           <a:p>
             <a:r>
               <a:rPr lang="de-CH" dirty="0" smtClean="0"/>
-              <a:t>TOEFL Test </a:t>
-            </a:r>
-            <a:r>
-              <a:rPr lang="de-CH" dirty="0" smtClean="0"/>
-              <a:t>anmelden</a:t>
+              <a:t>TOEFL </a:t>
+            </a:r>
+            <a:r>
+              <a:rPr lang="de-CH" dirty="0" smtClean="0"/>
+              <a:t>Test anmelden</a:t>
             </a:r>
             <a:r>
               <a:rPr lang="de-CH" dirty="0"/>
@@ -6164,7 +6145,7 @@
             </a:r>
             <a:r>
               <a:rPr lang="de-CH" dirty="0" smtClean="0"/>
-              <a:t>Index </a:t>
+              <a:t>Index Test </a:t>
             </a:r>
             <a:r>
               <a:rPr lang="de-CH" dirty="0" smtClean="0"/>
@@ -6175,39 +6156,56 @@
           <a:p>
             <a:r>
               <a:rPr lang="de-CH" dirty="0" smtClean="0"/>
-              <a:t>ETH </a:t>
-            </a:r>
-            <a:r>
-              <a:rPr lang="de-CH" dirty="0" smtClean="0"/>
-              <a:t>Bewerbung schreiben (online</a:t>
-            </a:r>
-            <a:r>
-              <a:rPr lang="de-CH" dirty="0" smtClean="0"/>
-              <a:t>) [5]</a:t>
-            </a:r>
-            <a:endParaRPr lang="de-CH" dirty="0" smtClean="0"/>
+              <a:t>ETH Bewerbung schreiben (online) [5]</a:t>
+            </a:r>
           </a:p>
           <a:p>
             <a:pPr lvl="1"/>
             <a:r>
+              <a:rPr lang="de-CH" b="1" dirty="0"/>
+              <a:t>Deadline: 15. April </a:t>
+            </a:r>
+            <a:r>
+              <a:rPr lang="de-CH" b="1" dirty="0" smtClean="0"/>
+              <a:t>2013</a:t>
+            </a:r>
+          </a:p>
+          <a:p>
+            <a:pPr lvl="1"/>
+            <a:r>
+              <a:rPr lang="de-CH" dirty="0" smtClean="0"/>
+              <a:t>Englisch Zertifikat (TOEFL Test) kann nachgereicht </a:t>
+            </a:r>
+            <a:r>
+              <a:rPr lang="de-CH" dirty="0" smtClean="0"/>
+              <a:t>werden</a:t>
+            </a:r>
+          </a:p>
+          <a:p>
+            <a:r>
+              <a:rPr lang="de-CH" dirty="0" smtClean="0"/>
+              <a:t>Tipps</a:t>
+            </a:r>
+          </a:p>
+          <a:p>
+            <a:pPr lvl="1"/>
+            <a:r>
+              <a:rPr lang="de-CH" dirty="0" smtClean="0"/>
+              <a:t>VIS Forum [6]</a:t>
+            </a:r>
+          </a:p>
+          <a:p>
+            <a:pPr lvl="1"/>
+            <a:r>
               <a:rPr lang="de-CH" dirty="0"/>
-              <a:t>Deadline: 15. April </a:t>
-            </a:r>
-            <a:r>
-              <a:rPr lang="de-CH" dirty="0" smtClean="0"/>
-              <a:t>2013</a:t>
+              <a:t>Öffentliches ETH Vorlesungsverzeichnis [7]</a:t>
             </a:r>
           </a:p>
           <a:p>
             <a:pPr lvl="1"/>
-            <a:r>
-              <a:rPr lang="de-CH" dirty="0" smtClean="0"/>
-              <a:t>Englisch Zertifikat (TOEFL Test) kann nachgereicht </a:t>
-            </a:r>
-            <a:r>
-              <a:rPr lang="de-CH" dirty="0" smtClean="0"/>
-              <a:t>werden</a:t>
-            </a:r>
+            <a:endParaRPr lang="de-CH" dirty="0"/>
+          </a:p>
+          <a:p>
             <a:endParaRPr lang="de-CH" dirty="0" smtClean="0"/>
           </a:p>
         </p:txBody>
@@ -6386,11 +6384,7 @@
             <a:pPr lvl="1"/>
             <a:r>
               <a:rPr lang="de-CH" sz="1200" dirty="0" smtClean="0"/>
-              <a:t>[0</a:t>
-            </a:r>
-            <a:r>
-              <a:rPr lang="de-CH" sz="1200" dirty="0" smtClean="0"/>
-              <a:t>] </a:t>
+              <a:t>[0] </a:t>
             </a:r>
             <a:r>
               <a:rPr lang="de-CH" sz="1200" dirty="0"/>
@@ -6552,47 +6546,47 @@
             <a:pPr lvl="1"/>
             <a:r>
               <a:rPr lang="de-CH" sz="1200" dirty="0" smtClean="0"/>
-              <a:t>[6] Öffentliches </a:t>
+              <a:t>[6] VIS </a:t>
             </a:r>
             <a:r>
               <a:rPr lang="de-CH" sz="1200" dirty="0"/>
-              <a:t>ETH Vorlesungsverzeichnis </a:t>
-            </a:r>
-            <a:r>
-              <a:rPr lang="de-CH" sz="1200" dirty="0" smtClean="0">
-                <a:hlinkClick r:id="rId10"/>
-              </a:rPr>
-              <a:t>http</a:t>
+              <a:t>Forum </a:t>
             </a:r>
             <a:r>
               <a:rPr lang="de-CH" sz="1200" dirty="0">
                 <a:hlinkClick r:id="rId10"/>
               </a:rPr>
-              <a:t>://www.vvz.ethz.ch</a:t>
-            </a:r>
-            <a:r>
-              <a:rPr lang="de-CH" sz="1200" dirty="0" smtClean="0">
+              <a:t>http://forum.vis.ethz.ch</a:t>
+            </a:r>
+            <a:r>
+              <a:rPr lang="de-CH" sz="1200" dirty="0">
                 <a:hlinkClick r:id="rId10"/>
               </a:rPr>
               <a:t>/</a:t>
             </a:r>
+            <a:r>
+              <a:rPr lang="de-CH" sz="1200" dirty="0"/>
+              <a:t> </a:t>
+            </a:r>
             <a:endParaRPr lang="de-CH" sz="1200" dirty="0" smtClean="0"/>
           </a:p>
           <a:p>
             <a:pPr lvl="1"/>
-            <a:endParaRPr lang="de-CH" dirty="0"/>
+            <a:r>
+              <a:rPr lang="de-CH" sz="1200" dirty="0"/>
+              <a:t>[7] Öffentliches ETH Vorlesungsverzeichnis </a:t>
+            </a:r>
+            <a:r>
+              <a:rPr lang="de-CH" sz="1200" dirty="0">
+                <a:hlinkClick r:id="rId11"/>
+              </a:rPr>
+              <a:t>http://www.vvz.ethz.ch/</a:t>
+            </a:r>
+            <a:endParaRPr lang="de-CH" sz="1200" dirty="0"/>
           </a:p>
           <a:p>
             <a:pPr lvl="1"/>
-            <a:endParaRPr lang="de-CH" dirty="0"/>
-          </a:p>
-          <a:p>
-            <a:pPr lvl="1"/>
-            <a:endParaRPr lang="de-CH" dirty="0"/>
-          </a:p>
-          <a:p>
-            <a:pPr lvl="1"/>
-            <a:endParaRPr lang="de-CH" dirty="0" smtClean="0"/>
+            <a:endParaRPr lang="de-CH" sz="1200" dirty="0"/>
           </a:p>
         </p:txBody>
       </p:sp>
@@ -6665,6 +6659,47 @@
           </a:p>
         </p:txBody>
       </p:sp>
+      <p:pic>
+        <p:nvPicPr>
+          <p:cNvPr id="7" name="Picture 2" descr="http://api.qrserver.com/v1/create-qr-code/?data=https%3A%2F%2Fhsr-eth.renuo.ch%2F&amp;size=1000x1000"/>
+          <p:cNvPicPr>
+            <a:picLocks noChangeAspect="1" noChangeArrowheads="1"/>
+          </p:cNvPicPr>
+          <p:nvPr/>
+        </p:nvPicPr>
+        <p:blipFill>
+          <a:blip r:embed="rId12" cstate="print">
+            <a:extLst>
+              <a:ext uri="{28A0092B-C50C-407E-A947-70E740481C1C}">
+                <a14:useLocalDpi xmlns:a14="http://schemas.microsoft.com/office/drawing/2010/main" val="0"/>
+              </a:ext>
+            </a:extLst>
+          </a:blip>
+          <a:srcRect/>
+          <a:stretch>
+            <a:fillRect/>
+          </a:stretch>
+        </p:blipFill>
+        <p:spPr bwMode="auto">
+          <a:xfrm>
+            <a:off x="6084168" y="260648"/>
+            <a:ext cx="2756248" cy="2756248"/>
+          </a:xfrm>
+          <a:prstGeom prst="rect">
+            <a:avLst/>
+          </a:prstGeom>
+          <a:noFill/>
+          <a:extLst>
+            <a:ext uri="{909E8E84-426E-40DD-AFC4-6F175D3DCCD1}">
+              <a14:hiddenFill xmlns:a14="http://schemas.microsoft.com/office/drawing/2010/main">
+                <a:solidFill>
+                  <a:srgbClr val="FFFFFF"/>
+                </a:solidFill>
+              </a14:hiddenFill>
+            </a:ext>
+          </a:extLst>
+        </p:spPr>
+      </p:pic>
     </p:spTree>
     <p:extLst>
       <p:ext uri="{BB962C8B-B14F-4D97-AF65-F5344CB8AC3E}">
@@ -7219,65 +7254,172 @@
         </p:nvSpPr>
         <p:spPr/>
         <p:txBody>
+          <a:bodyPr>
+            <a:normAutofit fontScale="85000" lnSpcReduction="20000"/>
+          </a:bodyPr>
+          <a:lstStyle/>
+          <a:p>
+            <a:r>
+              <a:rPr lang="de-CH" dirty="0" smtClean="0"/>
+              <a:t>«</a:t>
+            </a:r>
+            <a:r>
+              <a:rPr lang="de-CH" dirty="0"/>
+              <a:t>Die ETH bietet eine breite Palette von verschiedenen Vertiefungsrichtungen an. Die Kombination aus ETH und FH bildet ausserdem einen idealen Mix zwischen Theorie und Praxis</a:t>
+            </a:r>
+            <a:r>
+              <a:rPr lang="de-CH" dirty="0" smtClean="0"/>
+              <a:t>.</a:t>
+            </a:r>
+            <a:r>
+              <a:rPr lang="de-CH" dirty="0"/>
+              <a:t>»</a:t>
+            </a:r>
+            <a:br>
+              <a:rPr lang="de-CH" dirty="0"/>
+            </a:br>
+            <a:r>
+              <a:rPr lang="de-CH" sz="1600" b="1" dirty="0"/>
+              <a:t>Frederick </a:t>
+            </a:r>
+            <a:r>
+              <a:rPr lang="de-CH" sz="1600" b="1" dirty="0" err="1"/>
+              <a:t>Egli</a:t>
+            </a:r>
+            <a:r>
+              <a:rPr lang="de-CH" sz="1600" b="1" dirty="0"/>
+              <a:t>, </a:t>
+            </a:r>
+            <a:r>
+              <a:rPr lang="de-CH" sz="1600" b="1" dirty="0"/>
+              <a:t>HSR </a:t>
+            </a:r>
+            <a:r>
+              <a:rPr lang="de-CH" sz="1600" b="1" dirty="0" smtClean="0"/>
+              <a:t>Abgänger</a:t>
+            </a:r>
+            <a:br>
+              <a:rPr lang="de-CH" sz="1600" b="1" dirty="0" smtClean="0"/>
+            </a:br>
+            <a:endParaRPr lang="de-CH" sz="1600" b="1" dirty="0"/>
+          </a:p>
+          <a:p>
+            <a:r>
+              <a:rPr lang="de-CH" dirty="0" smtClean="0"/>
+              <a:t>«</a:t>
+            </a:r>
+            <a:r>
+              <a:rPr lang="de-CH" dirty="0"/>
+              <a:t>Das stärker Mathematik-</a:t>
+            </a:r>
+            <a:r>
+              <a:rPr lang="de-CH" dirty="0" err="1"/>
+              <a:t>lastige</a:t>
+            </a:r>
+            <a:r>
+              <a:rPr lang="de-CH" dirty="0"/>
+              <a:t> Studium an der ETH fördert das theoretische Verständnis und erleichtert das Lösen von komplexeren Problemen in vielen Bereichen der Informatik. Zudem ermöglicht der international gut anerkannte ETH-Titel den Einstieg in die </a:t>
+            </a:r>
+            <a:r>
+              <a:rPr lang="de-CH" dirty="0" smtClean="0"/>
+              <a:t>Forschung.»</a:t>
+            </a:r>
+            <a:br>
+              <a:rPr lang="de-CH" dirty="0" smtClean="0"/>
+            </a:br>
+            <a:r>
+              <a:rPr lang="de-CH" sz="1600" b="1" dirty="0"/>
+              <a:t>Ralf </a:t>
+            </a:r>
+            <a:r>
+              <a:rPr lang="de-CH" sz="1600" b="1" dirty="0" smtClean="0"/>
+              <a:t>Sager, </a:t>
+            </a:r>
+            <a:r>
+              <a:rPr lang="de-CH" sz="1600" b="1" dirty="0"/>
+              <a:t>HSR </a:t>
+            </a:r>
+            <a:r>
+              <a:rPr lang="de-CH" sz="1600" b="1" dirty="0" smtClean="0"/>
+              <a:t>Abgänger</a:t>
+            </a:r>
+            <a:br>
+              <a:rPr lang="de-CH" sz="1600" b="1" dirty="0" smtClean="0"/>
+            </a:br>
+            <a:endParaRPr lang="de-CH" sz="1600" b="1" dirty="0"/>
+          </a:p>
+          <a:p>
+            <a:r>
+              <a:rPr lang="de-CH" dirty="0" smtClean="0"/>
+              <a:t>«</a:t>
+            </a:r>
+            <a:r>
+              <a:rPr lang="de-CH" dirty="0"/>
+              <a:t>An der ETH wirst du permanent mit schwierigen Aufgaben </a:t>
+            </a:r>
+            <a:r>
+              <a:rPr lang="de-CH" dirty="0" smtClean="0"/>
+              <a:t>konfrontiert. Dadurch </a:t>
+            </a:r>
+            <a:r>
+              <a:rPr lang="de-CH" dirty="0"/>
+              <a:t>entwickelst du eine ganz neue </a:t>
+            </a:r>
+            <a:r>
+              <a:rPr lang="de-CH" dirty="0" smtClean="0"/>
+              <a:t>Denkweise, </a:t>
+            </a:r>
+            <a:r>
+              <a:rPr lang="de-CH" dirty="0"/>
+              <a:t>wie du Probleme angehst</a:t>
+            </a:r>
+            <a:r>
+              <a:rPr lang="de-CH" dirty="0" smtClean="0"/>
+              <a:t>.»</a:t>
+            </a:r>
+            <a:br>
+              <a:rPr lang="de-CH" dirty="0" smtClean="0"/>
+            </a:br>
+            <a:r>
+              <a:rPr lang="de-CH" sz="1600" b="1" dirty="0"/>
+              <a:t>Sandro </a:t>
+            </a:r>
+            <a:r>
+              <a:rPr lang="de-CH" sz="1600" b="1" dirty="0" err="1" smtClean="0"/>
+              <a:t>Felicioni</a:t>
+            </a:r>
+            <a:r>
+              <a:rPr lang="de-CH" sz="1600" b="1" dirty="0" smtClean="0"/>
+              <a:t>, HSR Abgänger</a:t>
+            </a:r>
+            <a:endParaRPr lang="de-CH" sz="2000" b="1" dirty="0"/>
+          </a:p>
+        </p:txBody>
+      </p:sp>
+      <p:sp>
+        <p:nvSpPr>
+          <p:cNvPr id="5" name="Fußzeilenplatzhalter 4"/>
+          <p:cNvSpPr>
+            <a:spLocks noGrp="1"/>
+          </p:cNvSpPr>
+          <p:nvPr>
+            <p:ph type="ftr" sz="quarter" idx="11"/>
+          </p:nvPr>
+        </p:nvSpPr>
+        <p:spPr/>
+        <p:txBody>
           <a:bodyPr/>
           <a:lstStyle/>
           <a:p>
             <a:r>
               <a:rPr lang="de-CH" dirty="0" smtClean="0"/>
-              <a:t>Fredrick </a:t>
-            </a:r>
-            <a:r>
-              <a:rPr lang="de-CH" dirty="0" err="1" smtClean="0"/>
-              <a:t>Egli</a:t>
-            </a:r>
-            <a:r>
-              <a:rPr lang="de-CH" dirty="0" smtClean="0"/>
-              <a:t>: «»</a:t>
-            </a:r>
-          </a:p>
-          <a:p>
-            <a:r>
-              <a:rPr lang="de-CH" dirty="0" smtClean="0"/>
-              <a:t>Ralf Sager: «»</a:t>
-            </a:r>
-          </a:p>
-          <a:p>
-            <a:r>
-              <a:rPr lang="de-CH" dirty="0"/>
-              <a:t>Sandro </a:t>
-            </a:r>
-            <a:r>
-              <a:rPr lang="de-CH" dirty="0" err="1" smtClean="0"/>
-              <a:t>Felicioni</a:t>
-            </a:r>
-            <a:r>
-              <a:rPr lang="de-CH" dirty="0" smtClean="0"/>
-              <a:t>: «»</a:t>
+              <a:t>https://</a:t>
+            </a:r>
+            <a:r>
+              <a:rPr lang="de-CH" dirty="0" smtClean="0"/>
+              <a:t>hsr-eth.renuo.ch </a:t>
             </a:r>
             <a:endParaRPr lang="de-CH" dirty="0"/>
-          </a:p>
-        </p:txBody>
-      </p:sp>
-      <p:sp>
-        <p:nvSpPr>
-          <p:cNvPr id="5" name="Fußzeilenplatzhalter 4"/>
-          <p:cNvSpPr>
-            <a:spLocks noGrp="1"/>
-          </p:cNvSpPr>
-          <p:nvPr>
-            <p:ph type="ftr" sz="quarter" idx="11"/>
-          </p:nvPr>
-        </p:nvSpPr>
-        <p:spPr/>
-        <p:txBody>
-          <a:bodyPr/>
-          <a:lstStyle/>
-          <a:p>
-            <a:r>
-              <a:rPr lang="de-CH" smtClean="0"/>
-              <a:t>https://hsr-eth.renuo.ch</a:t>
-            </a:r>
-            <a:endParaRPr lang="de-CH"/>
           </a:p>
         </p:txBody>
       </p:sp>
@@ -7562,7 +7704,7 @@
         <p:spPr/>
         <p:txBody>
           <a:bodyPr>
-            <a:normAutofit fontScale="92500" lnSpcReduction="10000"/>
+            <a:normAutofit lnSpcReduction="10000"/>
           </a:bodyPr>
           <a:lstStyle/>
           <a:p>
@@ -7637,34 +7779,12 @@
             <a:pPr lvl="1"/>
             <a:r>
               <a:rPr lang="de-CH" dirty="0"/>
-              <a:t>Einfache Notenskala</a:t>
-            </a:r>
-          </a:p>
-          <a:p>
-            <a:pPr lvl="2"/>
-            <a:r>
-              <a:rPr lang="de-CH" dirty="0"/>
-              <a:t>Bsp. </a:t>
-            </a:r>
-            <a:r>
-              <a:rPr lang="de-CH" dirty="0" err="1" smtClean="0"/>
-              <a:t>W’keit</a:t>
-            </a:r>
-            <a:r>
-              <a:rPr lang="de-CH" dirty="0" smtClean="0"/>
-              <a:t> </a:t>
-            </a:r>
-            <a:r>
-              <a:rPr lang="de-CH" dirty="0"/>
-              <a:t>und Statistik: </a:t>
-            </a:r>
-            <a:r>
-              <a:rPr lang="de-CH" dirty="0" smtClean="0"/>
-              <a:t>bestanden mit 13/40 Punkten</a:t>
-            </a:r>
-            <a:endParaRPr lang="de-CH" dirty="0"/>
-          </a:p>
-          <a:p>
+              <a:t>Einfache </a:t>
+            </a:r>
+            <a:r>
+              <a:rPr lang="de-CH" dirty="0" smtClean="0"/>
+              <a:t>Notenskala</a:t>
+            </a:r>
             <a:endParaRPr lang="de-CH" dirty="0"/>
           </a:p>
         </p:txBody>
@@ -7797,7 +7917,19 @@
           <a:p>
             <a:r>
               <a:rPr lang="de-CH" dirty="0" smtClean="0"/>
-              <a:t>10-12 Übungen vorbereiten (D&amp;A)</a:t>
+              <a:t>10-12 </a:t>
+            </a:r>
+            <a:r>
+              <a:rPr lang="de-CH" dirty="0" smtClean="0"/>
+              <a:t>Übungen </a:t>
+            </a:r>
+            <a:r>
+              <a:rPr lang="de-CH" dirty="0" smtClean="0"/>
+              <a:t>vorbereiten (D&amp;A</a:t>
+            </a:r>
+            <a:r>
+              <a:rPr lang="de-CH" dirty="0" smtClean="0"/>
+              <a:t>)</a:t>
             </a:r>
           </a:p>
           <a:p>
@@ -7810,13 +7942,10 @@
               <a:t>Asia</a:t>
             </a:r>
             <a:r>
-              <a:rPr lang="de-CH" dirty="0"/>
-              <a:t> </a:t>
-            </a:r>
-            <a:r>
-              <a:rPr lang="de-CH" dirty="0" smtClean="0"/>
-              <a:t>oder Uni)</a:t>
-            </a:r>
+              <a:rPr lang="de-CH" dirty="0" smtClean="0"/>
+              <a:t>, Uni, …)</a:t>
+            </a:r>
+            <a:endParaRPr lang="de-CH" dirty="0" smtClean="0"/>
           </a:p>
           <a:p>
             <a:r>
@@ -7835,7 +7964,17 @@
           <a:p>
             <a:r>
               <a:rPr lang="de-CH" dirty="0" smtClean="0"/>
-              <a:t>15-17 Übungen D&amp;A</a:t>
+              <a:t>15-17 Übungen </a:t>
+            </a:r>
+            <a:r>
+              <a:rPr lang="de-CH" dirty="0" smtClean="0"/>
+              <a:t>D&amp;A</a:t>
+            </a:r>
+          </a:p>
+          <a:p>
+            <a:r>
+              <a:rPr lang="de-CH" dirty="0" smtClean="0"/>
+              <a:t>… (Open End)</a:t>
             </a:r>
             <a:endParaRPr lang="de-CH" dirty="0"/>
           </a:p>
@@ -7904,7 +8043,11 @@
           <a:p>
             <a:r>
               <a:rPr lang="de-CH" dirty="0" smtClean="0"/>
-              <a:t>Ein Studientag (20.03.)</a:t>
+              <a:t>Ein Studientag </a:t>
+            </a:r>
+            <a:r>
+              <a:rPr lang="de-CH" dirty="0" smtClean="0"/>
+              <a:t>(13.03.2013)</a:t>
             </a:r>
             <a:endParaRPr lang="de-CH" dirty="0"/>
           </a:p>
@@ -7969,29 +8112,10 @@
               <a:t>Events / Bars / </a:t>
             </a:r>
             <a:r>
-              <a:rPr lang="de-CH" dirty="0" err="1" smtClean="0"/>
-              <a:t>Parties</a:t>
-            </a:r>
-            <a:r>
-              <a:rPr lang="de-CH" dirty="0" smtClean="0"/>
-              <a:t> (</a:t>
-            </a:r>
-            <a:r>
-              <a:rPr lang="de-CH" dirty="0" err="1" smtClean="0"/>
-              <a:t>sponsored</a:t>
-            </a:r>
-            <a:r>
-              <a:rPr lang="de-CH" dirty="0" smtClean="0"/>
-              <a:t> </a:t>
-            </a:r>
-            <a:r>
-              <a:rPr lang="de-CH" dirty="0" err="1" smtClean="0"/>
-              <a:t>by</a:t>
-            </a:r>
-            <a:r>
-              <a:rPr lang="de-CH" dirty="0" smtClean="0"/>
-              <a:t>…)</a:t>
-            </a:r>
+              <a:rPr lang="de-CH" dirty="0" smtClean="0"/>
+              <a:t>Partys (gesponsert von…)</a:t>
+            </a:r>
+            <a:endParaRPr lang="de-CH" dirty="0" smtClean="0"/>
           </a:p>
           <a:p>
             <a:r>
@@ -8013,13 +8137,8 @@
             </a:r>
             <a:r>
               <a:rPr lang="de-CH" dirty="0" smtClean="0"/>
-              <a:t>Colloquium (Vorträge</a:t>
-            </a:r>
-            <a:r>
-              <a:rPr lang="de-CH" dirty="0" smtClean="0"/>
-              <a:t>) [0]</a:t>
-            </a:r>
-            <a:endParaRPr lang="de-CH" dirty="0" smtClean="0"/>
+              <a:t>Colloquium (Vorträge) [0]</a:t>
+            </a:r>
           </a:p>
           <a:p>
             <a:pPr lvl="1"/>
@@ -8044,13 +8163,8 @@
             </a:r>
             <a:r>
               <a:rPr lang="de-CH" dirty="0" smtClean="0"/>
-              <a:t> Intel Pentium </a:t>
-            </a:r>
-            <a:r>
-              <a:rPr lang="de-CH" dirty="0" smtClean="0"/>
-              <a:t>4</a:t>
-            </a:r>
-            <a:endParaRPr lang="de-CH" dirty="0" smtClean="0"/>
+              <a:t> Intel Pentium 4</a:t>
+            </a:r>
           </a:p>
         </p:txBody>
       </p:sp>

--- a/vortrag.pptx
+++ b/vortrag.pptx
@@ -6198,15 +6198,39 @@
             <a:pPr lvl="1"/>
             <a:r>
               <a:rPr lang="de-CH" dirty="0"/>
-              <a:t>Öffentliches ETH Vorlesungsverzeichnis [7]</a:t>
+              <a:t>Öffentliches ETH Vorlesungsverzeichnis [7</a:t>
+            </a:r>
+            <a:r>
+              <a:rPr lang="de-CH" dirty="0" smtClean="0"/>
+              <a:t>]</a:t>
+            </a:r>
+          </a:p>
+          <a:p>
+            <a:pPr lvl="1"/>
+            <a:r>
+              <a:rPr lang="de-CH" dirty="0" smtClean="0"/>
+              <a:t>Mit </a:t>
+            </a:r>
+            <a:r>
+              <a:rPr lang="de-CH" dirty="0"/>
+              <a:t>uns </a:t>
+            </a:r>
+            <a:r>
+              <a:rPr lang="de-CH" dirty="0" smtClean="0"/>
+              <a:t>zusammensitzen und fragen (z.B. </a:t>
+            </a:r>
+            <a:r>
+              <a:rPr lang="de-CH" dirty="0" err="1" smtClean="0"/>
+              <a:t>Lunch@ETH</a:t>
+            </a:r>
+            <a:r>
+              <a:rPr lang="de-CH" dirty="0" smtClean="0"/>
+              <a:t>)!</a:t>
             </a:r>
           </a:p>
           <a:p>
             <a:pPr lvl="1"/>
             <a:endParaRPr lang="de-CH" dirty="0"/>
-          </a:p>
-          <a:p>
-            <a:endParaRPr lang="de-CH" dirty="0" smtClean="0"/>
           </a:p>
         </p:txBody>
       </p:sp>
